--- a/1.data/2.documents/OCR 처방전.pptx
+++ b/1.data/2.documents/OCR 처방전.pptx
@@ -6,6 +6,8 @@
   </p:sldMasterIdLst>
   <p:sldIdLst>
     <p:sldId id="256" r:id="rId2"/>
+    <p:sldId id="257" r:id="rId3"/>
+    <p:sldId id="258" r:id="rId4"/>
   </p:sldIdLst>
   <p:sldSz cx="12192000" cy="6858000"/>
   <p:notesSz cx="6858000" cy="9144000"/>
@@ -3779,6 +3781,763 @@
 </p:sld>
 </file>
 
+<file path=ppt/slides/slide2.xml><?xml version="1.0" encoding="utf-8"?>
+<p:sld xmlns:a="http://schemas.openxmlformats.org/drawingml/2006/main" xmlns:r="http://schemas.openxmlformats.org/officeDocument/2006/relationships" xmlns:p="http://schemas.openxmlformats.org/presentationml/2006/main">
+  <p:cSld>
+    <p:spTree>
+      <p:nvGrpSpPr>
+        <p:cNvPr id="1" name=""/>
+        <p:cNvGrpSpPr/>
+        <p:nvPr/>
+      </p:nvGrpSpPr>
+      <p:grpSpPr>
+        <a:xfrm>
+          <a:off x="0" y="0"/>
+          <a:ext cx="0" cy="0"/>
+          <a:chOff x="0" y="0"/>
+          <a:chExt cx="0" cy="0"/>
+        </a:xfrm>
+      </p:grpSpPr>
+      <p:pic>
+        <p:nvPicPr>
+          <p:cNvPr id="5" name="그림 4">
+            <a:extLst>
+              <a:ext uri="{FF2B5EF4-FFF2-40B4-BE49-F238E27FC236}">
+                <a16:creationId xmlns:a16="http://schemas.microsoft.com/office/drawing/2014/main" id="{5BF5BB74-85BF-35B4-D98D-1BCE8E7F53E2}"/>
+              </a:ext>
+            </a:extLst>
+          </p:cNvPr>
+          <p:cNvPicPr>
+            <a:picLocks noChangeAspect="1"/>
+          </p:cNvPicPr>
+          <p:nvPr/>
+        </p:nvPicPr>
+        <p:blipFill>
+          <a:blip r:embed="rId2"/>
+          <a:stretch>
+            <a:fillRect/>
+          </a:stretch>
+        </p:blipFill>
+        <p:spPr>
+          <a:xfrm>
+            <a:off x="3824105" y="73891"/>
+            <a:ext cx="4846211" cy="6858000"/>
+          </a:xfrm>
+          <a:prstGeom prst="rect">
+            <a:avLst/>
+          </a:prstGeom>
+        </p:spPr>
+      </p:pic>
+      <p:sp>
+        <p:nvSpPr>
+          <p:cNvPr id="6" name="직사각형 5">
+            <a:extLst>
+              <a:ext uri="{FF2B5EF4-FFF2-40B4-BE49-F238E27FC236}">
+                <a16:creationId xmlns:a16="http://schemas.microsoft.com/office/drawing/2014/main" id="{96688B05-E6E7-5F5B-7DEE-DDA7732CCF18}"/>
+              </a:ext>
+            </a:extLst>
+          </p:cNvPr>
+          <p:cNvSpPr/>
+          <p:nvPr/>
+        </p:nvSpPr>
+        <p:spPr>
+          <a:xfrm>
+            <a:off x="4110182" y="1099127"/>
+            <a:ext cx="4322618" cy="1274618"/>
+          </a:xfrm>
+          <a:prstGeom prst="rect">
+            <a:avLst/>
+          </a:prstGeom>
+          <a:solidFill>
+            <a:srgbClr val="4472C4">
+              <a:alpha val="50196"/>
+            </a:srgbClr>
+          </a:solidFill>
+          <a:ln>
+            <a:noFill/>
+          </a:ln>
+        </p:spPr>
+        <p:style>
+          <a:lnRef idx="2">
+            <a:schemeClr val="accent1">
+              <a:shade val="50000"/>
+            </a:schemeClr>
+          </a:lnRef>
+          <a:fillRef idx="1">
+            <a:schemeClr val="accent1"/>
+          </a:fillRef>
+          <a:effectRef idx="0">
+            <a:schemeClr val="accent1"/>
+          </a:effectRef>
+          <a:fontRef idx="minor">
+            <a:schemeClr val="lt1"/>
+          </a:fontRef>
+        </p:style>
+        <p:txBody>
+          <a:bodyPr rtlCol="0" anchor="ctr"/>
+          <a:lstStyle/>
+          <a:p>
+            <a:pPr algn="ctr"/>
+            <a:endParaRPr lang="ko-KR" altLang="en-US"/>
+          </a:p>
+        </p:txBody>
+      </p:sp>
+      <p:sp>
+        <p:nvSpPr>
+          <p:cNvPr id="8" name="TextBox 7">
+            <a:extLst>
+              <a:ext uri="{FF2B5EF4-FFF2-40B4-BE49-F238E27FC236}">
+                <a16:creationId xmlns:a16="http://schemas.microsoft.com/office/drawing/2014/main" id="{1EC5748D-E926-E09B-DD62-665807A7E425}"/>
+              </a:ext>
+            </a:extLst>
+          </p:cNvPr>
+          <p:cNvSpPr txBox="1"/>
+          <p:nvPr/>
+        </p:nvSpPr>
+        <p:spPr>
+          <a:xfrm>
+            <a:off x="692210" y="583333"/>
+            <a:ext cx="2090637" cy="369332"/>
+          </a:xfrm>
+          <a:prstGeom prst="rect">
+            <a:avLst/>
+          </a:prstGeom>
+          <a:noFill/>
+        </p:spPr>
+        <p:txBody>
+          <a:bodyPr wrap="none" rtlCol="0">
+            <a:spAutoFit/>
+          </a:bodyPr>
+          <a:lstStyle/>
+          <a:p>
+            <a:pPr algn="ctr"/>
+            <a:r>
+              <a:rPr lang="ko-KR" altLang="en-US" b="1" dirty="0"/>
+              <a:t>처방전 글자 삽입</a:t>
+            </a:r>
+            <a:r>
+              <a:rPr lang="en-US" altLang="ko-KR" b="1" dirty="0"/>
+              <a:t>1</a:t>
+            </a:r>
+            <a:endParaRPr lang="ko-KR" altLang="en-US" b="1" dirty="0"/>
+          </a:p>
+        </p:txBody>
+      </p:sp>
+      <p:sp>
+        <p:nvSpPr>
+          <p:cNvPr id="10" name="TextBox 9">
+            <a:extLst>
+              <a:ext uri="{FF2B5EF4-FFF2-40B4-BE49-F238E27FC236}">
+                <a16:creationId xmlns:a16="http://schemas.microsoft.com/office/drawing/2014/main" id="{92E14875-9CE4-969C-3BAD-F5CCF9C6D42E}"/>
+              </a:ext>
+            </a:extLst>
+          </p:cNvPr>
+          <p:cNvSpPr txBox="1"/>
+          <p:nvPr/>
+        </p:nvSpPr>
+        <p:spPr>
+          <a:xfrm>
+            <a:off x="692210" y="952665"/>
+            <a:ext cx="3062057" cy="3416320"/>
+          </a:xfrm>
+          <a:prstGeom prst="rect">
+            <a:avLst/>
+          </a:prstGeom>
+          <a:noFill/>
+        </p:spPr>
+        <p:txBody>
+          <a:bodyPr wrap="none" rtlCol="0">
+            <a:spAutoFit/>
+          </a:bodyPr>
+          <a:lstStyle/>
+          <a:p>
+            <a:pPr marL="342900" indent="-342900">
+              <a:buAutoNum type="arabicPeriod"/>
+            </a:pPr>
+            <a:r>
+              <a:rPr lang="ko-KR" altLang="en-US" dirty="0"/>
+              <a:t>요양기관기호</a:t>
+            </a:r>
+            <a:endParaRPr lang="en-US" altLang="ko-KR" dirty="0"/>
+          </a:p>
+          <a:p>
+            <a:pPr marL="342900" indent="-342900">
+              <a:buAutoNum type="arabicPeriod"/>
+            </a:pPr>
+            <a:r>
+              <a:rPr lang="ko-KR" altLang="en-US" dirty="0"/>
+              <a:t>교부번호</a:t>
+            </a:r>
+            <a:endParaRPr lang="en-US" altLang="ko-KR" dirty="0"/>
+          </a:p>
+          <a:p>
+            <a:pPr marL="342900" indent="-342900">
+              <a:buAutoNum type="arabicPeriod"/>
+            </a:pPr>
+            <a:r>
+              <a:rPr lang="ko-KR" altLang="en-US" dirty="0"/>
+              <a:t>환자 성명</a:t>
+            </a:r>
+            <a:endParaRPr lang="en-US" altLang="ko-KR" dirty="0"/>
+          </a:p>
+          <a:p>
+            <a:pPr marL="342900" indent="-342900">
+              <a:buAutoNum type="arabicPeriod"/>
+            </a:pPr>
+            <a:r>
+              <a:rPr lang="ko-KR" altLang="en-US" dirty="0"/>
+              <a:t>환자 주민등록번호</a:t>
+            </a:r>
+            <a:endParaRPr lang="en-US" altLang="ko-KR" dirty="0"/>
+          </a:p>
+          <a:p>
+            <a:pPr marL="342900" indent="-342900">
+              <a:buAutoNum type="arabicPeriod"/>
+            </a:pPr>
+            <a:r>
+              <a:rPr lang="ko-KR" altLang="en-US" dirty="0"/>
+              <a:t>명칭</a:t>
+            </a:r>
+            <a:endParaRPr lang="en-US" altLang="ko-KR" dirty="0"/>
+          </a:p>
+          <a:p>
+            <a:pPr marL="342900" indent="-342900">
+              <a:buAutoNum type="arabicPeriod"/>
+            </a:pPr>
+            <a:r>
+              <a:rPr lang="ko-KR" altLang="en-US" dirty="0"/>
+              <a:t>전화번호</a:t>
+            </a:r>
+            <a:endParaRPr lang="en-US" altLang="ko-KR" dirty="0"/>
+          </a:p>
+          <a:p>
+            <a:pPr marL="342900" indent="-342900">
+              <a:buAutoNum type="arabicPeriod"/>
+            </a:pPr>
+            <a:r>
+              <a:rPr lang="ko-KR" altLang="en-US" dirty="0"/>
+              <a:t>팩스번호</a:t>
+            </a:r>
+            <a:endParaRPr lang="en-US" altLang="ko-KR" dirty="0"/>
+          </a:p>
+          <a:p>
+            <a:pPr marL="342900" indent="-342900">
+              <a:buAutoNum type="arabicPeriod"/>
+            </a:pPr>
+            <a:r>
+              <a:rPr lang="en-US" altLang="ko-KR" dirty="0"/>
+              <a:t>e-mail</a:t>
+            </a:r>
+          </a:p>
+          <a:p>
+            <a:pPr marL="342900" indent="-342900">
+              <a:buAutoNum type="arabicPeriod"/>
+            </a:pPr>
+            <a:r>
+              <a:rPr lang="ko-KR" altLang="en-US" dirty="0"/>
+              <a:t>질병분류기호</a:t>
+            </a:r>
+            <a:r>
+              <a:rPr lang="en-US" altLang="ko-KR" dirty="0"/>
+              <a:t>(</a:t>
+            </a:r>
+            <a:r>
+              <a:rPr lang="ko-KR" altLang="en-US" dirty="0"/>
+              <a:t>조사 필요</a:t>
+            </a:r>
+            <a:r>
+              <a:rPr lang="en-US" altLang="ko-KR" dirty="0"/>
+              <a:t>)</a:t>
+            </a:r>
+          </a:p>
+          <a:p>
+            <a:pPr marL="342900" indent="-342900">
+              <a:buAutoNum type="arabicPeriod"/>
+            </a:pPr>
+            <a:r>
+              <a:rPr lang="ko-KR" altLang="en-US" dirty="0"/>
+              <a:t>처방의료인 성명</a:t>
+            </a:r>
+            <a:endParaRPr lang="en-US" altLang="ko-KR" dirty="0"/>
+          </a:p>
+          <a:p>
+            <a:pPr marL="342900" indent="-342900">
+              <a:buAutoNum type="arabicPeriod"/>
+            </a:pPr>
+            <a:r>
+              <a:rPr lang="ko-KR" altLang="en-US" dirty="0"/>
+              <a:t>면허종류 </a:t>
+            </a:r>
+            <a:r>
+              <a:rPr lang="en-US" altLang="ko-KR" dirty="0"/>
+              <a:t>: </a:t>
+            </a:r>
+            <a:r>
+              <a:rPr lang="ko-KR" altLang="en-US" dirty="0">
+                <a:solidFill>
+                  <a:srgbClr val="FF0000"/>
+                </a:solidFill>
+              </a:rPr>
+              <a:t>의사</a:t>
+            </a:r>
+            <a:endParaRPr lang="en-US" altLang="ko-KR" dirty="0">
+              <a:solidFill>
+                <a:srgbClr val="FF0000"/>
+              </a:solidFill>
+            </a:endParaRPr>
+          </a:p>
+          <a:p>
+            <a:pPr marL="342900" indent="-342900">
+              <a:buAutoNum type="arabicPeriod"/>
+            </a:pPr>
+            <a:r>
+              <a:rPr lang="ko-KR" altLang="en-US" dirty="0"/>
+              <a:t>면허번호 </a:t>
+            </a:r>
+            <a:r>
+              <a:rPr lang="en-US" altLang="ko-KR" dirty="0"/>
+              <a:t>: </a:t>
+            </a:r>
+            <a:r>
+              <a:rPr lang="ko-KR" altLang="en-US" dirty="0">
+                <a:solidFill>
+                  <a:srgbClr val="FF0000"/>
+                </a:solidFill>
+              </a:rPr>
+              <a:t>제 </a:t>
+            </a:r>
+            <a:r>
+              <a:rPr lang="en-US" altLang="ko-KR" dirty="0">
+                <a:solidFill>
+                  <a:srgbClr val="FF0000"/>
+                </a:solidFill>
+              </a:rPr>
+              <a:t>XXXXX </a:t>
+            </a:r>
+            <a:r>
+              <a:rPr lang="ko-KR" altLang="en-US" dirty="0">
+                <a:solidFill>
+                  <a:srgbClr val="FF0000"/>
+                </a:solidFill>
+              </a:rPr>
+              <a:t>호</a:t>
+            </a:r>
+          </a:p>
+        </p:txBody>
+      </p:sp>
+    </p:spTree>
+    <p:extLst>
+      <p:ext uri="{BB962C8B-B14F-4D97-AF65-F5344CB8AC3E}">
+        <p14:creationId xmlns:p14="http://schemas.microsoft.com/office/powerpoint/2010/main" val="786076801"/>
+      </p:ext>
+    </p:extLst>
+  </p:cSld>
+  <p:clrMapOvr>
+    <a:masterClrMapping/>
+  </p:clrMapOvr>
+</p:sld>
+</file>
+
+<file path=ppt/slides/slide3.xml><?xml version="1.0" encoding="utf-8"?>
+<p:sld xmlns:a="http://schemas.openxmlformats.org/drawingml/2006/main" xmlns:r="http://schemas.openxmlformats.org/officeDocument/2006/relationships" xmlns:p="http://schemas.openxmlformats.org/presentationml/2006/main">
+  <p:cSld>
+    <p:spTree>
+      <p:nvGrpSpPr>
+        <p:cNvPr id="1" name=""/>
+        <p:cNvGrpSpPr/>
+        <p:nvPr/>
+      </p:nvGrpSpPr>
+      <p:grpSpPr>
+        <a:xfrm>
+          <a:off x="0" y="0"/>
+          <a:ext cx="0" cy="0"/>
+          <a:chOff x="0" y="0"/>
+          <a:chExt cx="0" cy="0"/>
+        </a:xfrm>
+      </p:grpSpPr>
+      <p:pic>
+        <p:nvPicPr>
+          <p:cNvPr id="5" name="그림 4">
+            <a:extLst>
+              <a:ext uri="{FF2B5EF4-FFF2-40B4-BE49-F238E27FC236}">
+                <a16:creationId xmlns:a16="http://schemas.microsoft.com/office/drawing/2014/main" id="{5BF5BB74-85BF-35B4-D98D-1BCE8E7F53E2}"/>
+              </a:ext>
+            </a:extLst>
+          </p:cNvPr>
+          <p:cNvPicPr>
+            <a:picLocks noChangeAspect="1"/>
+          </p:cNvPicPr>
+          <p:nvPr/>
+        </p:nvPicPr>
+        <p:blipFill>
+          <a:blip r:embed="rId2"/>
+          <a:stretch>
+            <a:fillRect/>
+          </a:stretch>
+        </p:blipFill>
+        <p:spPr>
+          <a:xfrm>
+            <a:off x="3824105" y="73891"/>
+            <a:ext cx="4846211" cy="6858000"/>
+          </a:xfrm>
+          <a:prstGeom prst="rect">
+            <a:avLst/>
+          </a:prstGeom>
+        </p:spPr>
+      </p:pic>
+      <p:sp>
+        <p:nvSpPr>
+          <p:cNvPr id="8" name="TextBox 7">
+            <a:extLst>
+              <a:ext uri="{FF2B5EF4-FFF2-40B4-BE49-F238E27FC236}">
+                <a16:creationId xmlns:a16="http://schemas.microsoft.com/office/drawing/2014/main" id="{1EC5748D-E926-E09B-DD62-665807A7E425}"/>
+              </a:ext>
+            </a:extLst>
+          </p:cNvPr>
+          <p:cNvSpPr txBox="1"/>
+          <p:nvPr/>
+        </p:nvSpPr>
+        <p:spPr>
+          <a:xfrm>
+            <a:off x="689004" y="583333"/>
+            <a:ext cx="2097049" cy="369332"/>
+          </a:xfrm>
+          <a:prstGeom prst="rect">
+            <a:avLst/>
+          </a:prstGeom>
+          <a:noFill/>
+        </p:spPr>
+        <p:txBody>
+          <a:bodyPr wrap="none" rtlCol="0">
+            <a:spAutoFit/>
+          </a:bodyPr>
+          <a:lstStyle/>
+          <a:p>
+            <a:pPr algn="ctr"/>
+            <a:r>
+              <a:rPr lang="ko-KR" altLang="en-US" b="1" dirty="0"/>
+              <a:t>처방전 글자 삽입</a:t>
+            </a:r>
+            <a:r>
+              <a:rPr lang="en-US" altLang="ko-KR" b="1" dirty="0"/>
+              <a:t>2</a:t>
+            </a:r>
+            <a:endParaRPr lang="ko-KR" altLang="en-US" b="1" dirty="0"/>
+          </a:p>
+        </p:txBody>
+      </p:sp>
+      <p:sp>
+        <p:nvSpPr>
+          <p:cNvPr id="10" name="TextBox 9">
+            <a:extLst>
+              <a:ext uri="{FF2B5EF4-FFF2-40B4-BE49-F238E27FC236}">
+                <a16:creationId xmlns:a16="http://schemas.microsoft.com/office/drawing/2014/main" id="{92E14875-9CE4-969C-3BAD-F5CCF9C6D42E}"/>
+              </a:ext>
+            </a:extLst>
+          </p:cNvPr>
+          <p:cNvSpPr txBox="1"/>
+          <p:nvPr/>
+        </p:nvSpPr>
+        <p:spPr>
+          <a:xfrm>
+            <a:off x="152278" y="952665"/>
+            <a:ext cx="3627916" cy="4524315"/>
+          </a:xfrm>
+          <a:prstGeom prst="rect">
+            <a:avLst/>
+          </a:prstGeom>
+          <a:noFill/>
+        </p:spPr>
+        <p:txBody>
+          <a:bodyPr wrap="none" rtlCol="0">
+            <a:spAutoFit/>
+          </a:bodyPr>
+          <a:lstStyle/>
+          <a:p>
+            <a:pPr marL="342900" indent="-342900">
+              <a:buAutoNum type="arabicPeriod"/>
+            </a:pPr>
+            <a:r>
+              <a:rPr lang="ko-KR" altLang="en-US" dirty="0"/>
+              <a:t>처방의약품의 명칭</a:t>
+            </a:r>
+            <a:endParaRPr lang="en-US" altLang="ko-KR" dirty="0"/>
+          </a:p>
+          <a:p>
+            <a:pPr marL="800100" lvl="1" indent="-342900">
+              <a:buAutoNum type="arabicPeriod"/>
+            </a:pPr>
+            <a:r>
+              <a:rPr lang="en-US" altLang="ko-KR" dirty="0"/>
+              <a:t>1</a:t>
+            </a:r>
+            <a:r>
+              <a:rPr lang="ko-KR" altLang="en-US" dirty="0"/>
+              <a:t>회 </a:t>
+            </a:r>
+            <a:r>
+              <a:rPr lang="ko-KR" altLang="en-US" dirty="0" err="1"/>
+              <a:t>투약량</a:t>
+            </a:r>
+            <a:endParaRPr lang="en-US" altLang="ko-KR" dirty="0"/>
+          </a:p>
+          <a:p>
+            <a:pPr marL="800100" lvl="1" indent="-342900">
+              <a:buAutoNum type="arabicPeriod"/>
+            </a:pPr>
+            <a:r>
+              <a:rPr lang="en-US" altLang="ko-KR" dirty="0"/>
+              <a:t>1</a:t>
+            </a:r>
+            <a:r>
+              <a:rPr lang="ko-KR" altLang="en-US" dirty="0"/>
+              <a:t>회 투약 횟수</a:t>
+            </a:r>
+            <a:endParaRPr lang="en-US" altLang="ko-KR" dirty="0"/>
+          </a:p>
+          <a:p>
+            <a:pPr marL="800100" lvl="1" indent="-342900">
+              <a:buAutoNum type="arabicPeriod"/>
+            </a:pPr>
+            <a:r>
+              <a:rPr lang="ko-KR" altLang="en-US" dirty="0"/>
+              <a:t>총 투약일수</a:t>
+            </a:r>
+            <a:endParaRPr lang="en-US" altLang="ko-KR" dirty="0"/>
+          </a:p>
+          <a:p>
+            <a:pPr marL="800100" lvl="1" indent="-342900">
+              <a:buAutoNum type="arabicPeriod"/>
+            </a:pPr>
+            <a:r>
+              <a:rPr lang="ko-KR" altLang="en-US" dirty="0"/>
+              <a:t>용법</a:t>
+            </a:r>
+            <a:endParaRPr lang="en-US" altLang="ko-KR" dirty="0"/>
+          </a:p>
+          <a:p>
+            <a:pPr marL="342900" indent="-342900">
+              <a:buAutoNum type="arabicPeriod"/>
+            </a:pPr>
+            <a:endParaRPr lang="en-US" altLang="ko-KR" dirty="0"/>
+          </a:p>
+          <a:p>
+            <a:pPr marL="342900" indent="-342900">
+              <a:buAutoNum type="arabicPeriod"/>
+            </a:pPr>
+            <a:r>
+              <a:rPr lang="ko-KR" altLang="en-US" dirty="0" err="1"/>
+              <a:t>주사제</a:t>
+            </a:r>
+            <a:r>
+              <a:rPr lang="ko-KR" altLang="en-US" dirty="0"/>
+              <a:t> 처방내역</a:t>
+            </a:r>
+            <a:r>
+              <a:rPr lang="en-US" altLang="ko-KR" dirty="0"/>
+              <a:t>(</a:t>
+            </a:r>
+            <a:r>
+              <a:rPr lang="ko-KR" altLang="en-US" dirty="0"/>
+              <a:t>네모로 체크</a:t>
+            </a:r>
+            <a:r>
+              <a:rPr lang="en-US" altLang="ko-KR" dirty="0"/>
+              <a:t>)</a:t>
+            </a:r>
+            <a:br>
+              <a:rPr lang="en-US" altLang="ko-KR" dirty="0"/>
+            </a:br>
+            <a:r>
+              <a:rPr lang="en-US" altLang="ko-KR" dirty="0"/>
+              <a:t>[</a:t>
+            </a:r>
+            <a:r>
+              <a:rPr lang="ko-KR" altLang="en-US" dirty="0"/>
+              <a:t>빈칸 </a:t>
+            </a:r>
+            <a:r>
+              <a:rPr lang="en-US" altLang="ko-KR" dirty="0"/>
+              <a:t>, </a:t>
+            </a:r>
+            <a:r>
+              <a:rPr lang="ko-KR" altLang="en-US" dirty="0"/>
+              <a:t>원내</a:t>
+            </a:r>
+            <a:r>
+              <a:rPr lang="en-US" altLang="ko-KR" dirty="0"/>
+              <a:t>, </a:t>
+            </a:r>
+            <a:r>
+              <a:rPr lang="ko-KR" altLang="en-US" dirty="0"/>
+              <a:t>원외</a:t>
+            </a:r>
+            <a:r>
+              <a:rPr lang="en-US" altLang="ko-KR" dirty="0"/>
+              <a:t>]</a:t>
+            </a:r>
+          </a:p>
+          <a:p>
+            <a:pPr marL="342900" indent="-342900">
+              <a:buAutoNum type="arabicPeriod"/>
+            </a:pPr>
+            <a:r>
+              <a:rPr lang="ko-KR" altLang="en-US" dirty="0" err="1"/>
+              <a:t>조제시</a:t>
+            </a:r>
+            <a:r>
+              <a:rPr lang="ko-KR" altLang="en-US" dirty="0"/>
+              <a:t> 참고 사항</a:t>
+            </a:r>
+            <a:endParaRPr lang="en-US" altLang="ko-KR" dirty="0"/>
+          </a:p>
+          <a:p>
+            <a:pPr marL="342900" indent="-342900">
+              <a:buAutoNum type="arabicPeriod"/>
+            </a:pPr>
+            <a:r>
+              <a:rPr lang="ko-KR" altLang="en-US" dirty="0"/>
+              <a:t>교부일부터 </a:t>
+            </a:r>
+            <a:r>
+              <a:rPr lang="en-US" altLang="ko-KR" dirty="0"/>
+              <a:t>X </a:t>
+            </a:r>
+            <a:r>
+              <a:rPr lang="ko-KR" altLang="en-US" dirty="0"/>
+              <a:t>일간</a:t>
+            </a:r>
+            <a:endParaRPr lang="en-US" altLang="ko-KR" dirty="0"/>
+          </a:p>
+          <a:p>
+            <a:pPr marL="342900" indent="-342900">
+              <a:buAutoNum type="arabicPeriod"/>
+            </a:pPr>
+            <a:endParaRPr lang="en-US" altLang="ko-KR" dirty="0"/>
+          </a:p>
+          <a:p>
+            <a:pPr marL="342900" indent="-342900">
+              <a:buAutoNum type="arabicPeriod"/>
+            </a:pPr>
+            <a:r>
+              <a:rPr lang="ko-KR" altLang="en-US" dirty="0" err="1"/>
+              <a:t>조제기관의명칭</a:t>
+            </a:r>
+            <a:endParaRPr lang="en-US" altLang="ko-KR" dirty="0"/>
+          </a:p>
+          <a:p>
+            <a:pPr marL="342900" indent="-342900">
+              <a:buAutoNum type="arabicPeriod"/>
+            </a:pPr>
+            <a:r>
+              <a:rPr lang="ko-KR" altLang="en-US" dirty="0"/>
+              <a:t>조제약사</a:t>
+            </a:r>
+            <a:endParaRPr lang="en-US" altLang="ko-KR" dirty="0"/>
+          </a:p>
+          <a:p>
+            <a:pPr marL="342900" indent="-342900">
+              <a:buAutoNum type="arabicPeriod"/>
+            </a:pPr>
+            <a:r>
+              <a:rPr lang="ko-KR" altLang="en-US" dirty="0" err="1"/>
+              <a:t>조제량</a:t>
+            </a:r>
+            <a:endParaRPr lang="en-US" altLang="ko-KR" dirty="0"/>
+          </a:p>
+          <a:p>
+            <a:pPr marL="342900" indent="-342900">
+              <a:buAutoNum type="arabicPeriod"/>
+            </a:pPr>
+            <a:r>
+              <a:rPr lang="ko-KR" altLang="en-US" dirty="0" err="1"/>
+              <a:t>조제연월일</a:t>
+            </a:r>
+            <a:endParaRPr lang="en-US" altLang="ko-KR" dirty="0"/>
+          </a:p>
+          <a:p>
+            <a:pPr marL="342900" indent="-342900">
+              <a:buAutoNum type="arabicPeriod"/>
+            </a:pPr>
+            <a:r>
+              <a:rPr lang="ko-KR" altLang="en-US" dirty="0"/>
+              <a:t>처방의 변경 수정 확인 </a:t>
+            </a:r>
+            <a:r>
+              <a:rPr lang="ko-KR" altLang="en-US" dirty="0" err="1"/>
+              <a:t>대체시</a:t>
+            </a:r>
+            <a:endParaRPr lang="en-US" altLang="ko-KR" dirty="0"/>
+          </a:p>
+        </p:txBody>
+      </p:sp>
+      <p:sp>
+        <p:nvSpPr>
+          <p:cNvPr id="13" name="직사각형 12">
+            <a:extLst>
+              <a:ext uri="{FF2B5EF4-FFF2-40B4-BE49-F238E27FC236}">
+                <a16:creationId xmlns:a16="http://schemas.microsoft.com/office/drawing/2014/main" id="{AC9EEE05-01C9-1055-FB2A-37E4B9C5967A}"/>
+              </a:ext>
+            </a:extLst>
+          </p:cNvPr>
+          <p:cNvSpPr/>
+          <p:nvPr/>
+        </p:nvSpPr>
+        <p:spPr>
+          <a:xfrm>
+            <a:off x="4110182" y="2327035"/>
+            <a:ext cx="4322618" cy="4308895"/>
+          </a:xfrm>
+          <a:prstGeom prst="rect">
+            <a:avLst/>
+          </a:prstGeom>
+          <a:solidFill>
+            <a:srgbClr val="4472C4">
+              <a:alpha val="50196"/>
+            </a:srgbClr>
+          </a:solidFill>
+          <a:ln>
+            <a:noFill/>
+          </a:ln>
+        </p:spPr>
+        <p:style>
+          <a:lnRef idx="2">
+            <a:schemeClr val="accent1">
+              <a:shade val="50000"/>
+            </a:schemeClr>
+          </a:lnRef>
+          <a:fillRef idx="1">
+            <a:schemeClr val="accent1"/>
+          </a:fillRef>
+          <a:effectRef idx="0">
+            <a:schemeClr val="accent1"/>
+          </a:effectRef>
+          <a:fontRef idx="minor">
+            <a:schemeClr val="lt1"/>
+          </a:fontRef>
+        </p:style>
+        <p:txBody>
+          <a:bodyPr rtlCol="0" anchor="ctr"/>
+          <a:lstStyle/>
+          <a:p>
+            <a:pPr algn="ctr"/>
+            <a:endParaRPr lang="ko-KR" altLang="en-US"/>
+          </a:p>
+        </p:txBody>
+      </p:sp>
+    </p:spTree>
+    <p:extLst>
+      <p:ext uri="{BB962C8B-B14F-4D97-AF65-F5344CB8AC3E}">
+        <p14:creationId xmlns:p14="http://schemas.microsoft.com/office/powerpoint/2010/main" val="3410248497"/>
+      </p:ext>
+    </p:extLst>
+  </p:cSld>
+  <p:clrMapOvr>
+    <a:masterClrMapping/>
+  </p:clrMapOvr>
+</p:sld>
+</file>
+
 <file path=ppt/theme/theme1.xml><?xml version="1.0" encoding="utf-8"?>
 <a:theme xmlns:a="http://schemas.openxmlformats.org/drawingml/2006/main" name="Office 테마">
   <a:themeElements>
